--- a/新聞專題分類.pptx
+++ b/新聞專題分類.pptx
@@ -4154,7 +4154,7 @@
         <p:spPr>
           <a:xfrm rot="0">
             <a:off x="1436522" y="1986890"/>
-            <a:ext cx="2720842" cy="1177290"/>
+            <a:ext cx="3567426" cy="1177290"/>
           </a:xfrm>
           <a:prstGeom prst="rect">
             <a:avLst/>
@@ -4181,7 +4181,7 @@
                 <a:cs typeface="DM Sans Bold"/>
                 <a:sym typeface="DM Sans Bold"/>
               </a:rPr>
-              <a:t>動機</a:t>
+              <a:t>⚙️動機</a:t>
             </a:r>
           </a:p>
         </p:txBody>
@@ -4503,7 +4503,7 @@
         <p:spPr>
           <a:xfrm rot="0">
             <a:off x="1550569" y="5830632"/>
-            <a:ext cx="2720842" cy="1177290"/>
+            <a:ext cx="3720021" cy="1177290"/>
           </a:xfrm>
           <a:prstGeom prst="rect">
             <a:avLst/>
@@ -4530,7 +4530,7 @@
                 <a:cs typeface="DM Sans Bold"/>
                 <a:sym typeface="DM Sans Bold"/>
               </a:rPr>
-              <a:t>目標</a:t>
+              <a:t>🎯目標</a:t>
             </a:r>
           </a:p>
         </p:txBody>
@@ -4698,7 +4698,7 @@
         </p:nvGrpSpPr>
         <p:grpSpPr>
           <a:xfrm rot="0">
-            <a:off x="9144000" y="1170261"/>
+            <a:off x="9144000" y="771407"/>
             <a:ext cx="7829550" cy="2561528"/>
             <a:chOff x="0" y="0"/>
             <a:chExt cx="2621006" cy="857492"/>
@@ -4823,8 +4823,8 @@
         </p:nvSpPr>
         <p:spPr>
           <a:xfrm rot="0">
-            <a:off x="9453857" y="1640310"/>
-            <a:ext cx="4133609" cy="411861"/>
+            <a:off x="9453857" y="1096722"/>
+            <a:ext cx="4133609" cy="437007"/>
           </a:xfrm>
           <a:prstGeom prst="rect">
             <a:avLst/>
@@ -4838,11 +4838,11 @@
           <a:p>
             <a:pPr algn="l">
               <a:lnSpc>
-                <a:spcPts val="3072"/>
+                <a:spcPts val="3263"/>
               </a:lnSpc>
             </a:pPr>
             <a:r>
-              <a:rPr lang="en-US" sz="3200" spc="-262" b="true">
+              <a:rPr lang="en-US" sz="3399" spc="-278" b="true">
                 <a:solidFill>
                   <a:srgbClr val="000000"/>
                 </a:solidFill>
@@ -4851,7 +4851,7 @@
                 <a:cs typeface="DM Sans Bold"/>
                 <a:sym typeface="DM Sans Bold"/>
               </a:rPr>
-              <a:t>資料來源</a:t>
+              <a:t>📦資料來源</a:t>
             </a:r>
           </a:p>
         </p:txBody>
@@ -4989,7 +4989,7 @@
         </p:nvGrpSpPr>
         <p:grpSpPr>
           <a:xfrm rot="0">
-            <a:off x="9144000" y="6557226"/>
+            <a:off x="9144000" y="6957276"/>
             <a:ext cx="7829550" cy="2561528"/>
             <a:chOff x="0" y="0"/>
             <a:chExt cx="2621006" cy="857492"/>
@@ -5114,8 +5114,8 @@
         </p:nvSpPr>
         <p:spPr>
           <a:xfrm rot="0">
-            <a:off x="9453857" y="4229722"/>
-            <a:ext cx="1578952" cy="411861"/>
+            <a:off x="9453857" y="4065244"/>
+            <a:ext cx="2066805" cy="437007"/>
           </a:xfrm>
           <a:prstGeom prst="rect">
             <a:avLst/>
@@ -5129,11 +5129,11 @@
           <a:p>
             <a:pPr algn="l">
               <a:lnSpc>
-                <a:spcPts val="3072"/>
+                <a:spcPts val="3263"/>
               </a:lnSpc>
             </a:pPr>
             <a:r>
-              <a:rPr lang="en-US" sz="3200" spc="-262" b="true">
+              <a:rPr lang="en-US" sz="3399" spc="-278" b="true">
                 <a:solidFill>
                   <a:srgbClr val="000000"/>
                 </a:solidFill>
@@ -5142,7 +5142,7 @@
                 <a:cs typeface="DM Sans Bold"/>
                 <a:sym typeface="DM Sans Bold"/>
               </a:rPr>
-              <a:t>預處理</a:t>
+              <a:t>⚙️預處理</a:t>
             </a:r>
           </a:p>
         </p:txBody>
@@ -5155,8 +5155,8 @@
         </p:nvSpPr>
         <p:spPr>
           <a:xfrm rot="0">
-            <a:off x="9453857" y="6896916"/>
-            <a:ext cx="4247656" cy="411861"/>
+            <a:off x="9453857" y="7157301"/>
+            <a:ext cx="4247656" cy="437007"/>
           </a:xfrm>
           <a:prstGeom prst="rect">
             <a:avLst/>
@@ -5170,11 +5170,11 @@
           <a:p>
             <a:pPr algn="l">
               <a:lnSpc>
-                <a:spcPts val="3072"/>
+                <a:spcPts val="3263"/>
               </a:lnSpc>
             </a:pPr>
             <a:r>
-              <a:rPr lang="en-US" sz="3200" spc="-262" b="true">
+              <a:rPr lang="en-US" sz="3399" spc="-278" b="true">
                 <a:solidFill>
                   <a:srgbClr val="000000"/>
                 </a:solidFill>
@@ -5183,7 +5183,7 @@
                 <a:cs typeface="DM Sans Bold"/>
                 <a:sym typeface="DM Sans Bold"/>
               </a:rPr>
-              <a:t>類別分類</a:t>
+              <a:t>🗂️類別分類</a:t>
             </a:r>
           </a:p>
         </p:txBody>
@@ -5196,8 +5196,8 @@
         </p:nvSpPr>
         <p:spPr>
           <a:xfrm rot="0">
-            <a:off x="9661679" y="2294533"/>
-            <a:ext cx="3930156" cy="1082040"/>
+            <a:off x="9661679" y="1905204"/>
+            <a:ext cx="3930156" cy="1019175"/>
           </a:xfrm>
           <a:prstGeom prst="rect">
             <a:avLst/>
@@ -5211,14 +5211,14 @@
           <a:p>
             <a:pPr algn="just" marL="0" indent="0" lvl="0">
               <a:lnSpc>
-                <a:spcPts val="4320"/>
+                <a:spcPts val="4050"/>
               </a:lnSpc>
               <a:spcBef>
                 <a:spcPct val="0"/>
               </a:spcBef>
             </a:pPr>
             <a:r>
-              <a:rPr lang="en-US" sz="3200" spc="51" u="none">
+              <a:rPr lang="en-US" sz="3000" spc="48" u="none">
                 <a:solidFill>
                   <a:srgbClr val="000000"/>
                 </a:solidFill>
@@ -5233,14 +5233,14 @@
           <a:p>
             <a:pPr algn="just" marL="0" indent="0" lvl="0">
               <a:lnSpc>
-                <a:spcPts val="4320"/>
+                <a:spcPts val="4050"/>
               </a:lnSpc>
               <a:spcBef>
                 <a:spcPct val="0"/>
               </a:spcBef>
             </a:pPr>
             <a:r>
-              <a:rPr lang="en-US" sz="3200" spc="51" u="none">
+              <a:rPr lang="en-US" sz="3000" spc="48" u="none">
                 <a:solidFill>
                   <a:srgbClr val="000000"/>
                 </a:solidFill>
@@ -5262,8 +5262,8 @@
         </p:nvSpPr>
         <p:spPr>
           <a:xfrm rot="0">
-            <a:off x="9661679" y="4702356"/>
-            <a:ext cx="6983307" cy="1880235"/>
+            <a:off x="9661679" y="4721406"/>
+            <a:ext cx="6983307" cy="1413510"/>
           </a:xfrm>
           <a:prstGeom prst="rect">
             <a:avLst/>
@@ -5277,14 +5277,14 @@
           <a:p>
             <a:pPr algn="just" marL="0" indent="0" lvl="0">
               <a:lnSpc>
-                <a:spcPts val="4320"/>
+                <a:spcPts val="3779"/>
               </a:lnSpc>
               <a:spcBef>
                 <a:spcPct val="0"/>
               </a:spcBef>
             </a:pPr>
             <a:r>
-              <a:rPr lang="en-US" sz="3200" spc="51">
+              <a:rPr lang="en-US" sz="2799" spc="44">
                 <a:solidFill>
                   <a:srgbClr val="000000"/>
                 </a:solidFill>
@@ -5296,7 +5296,7 @@
               <a:t>-</a:t>
             </a:r>
             <a:r>
-              <a:rPr lang="en-US" sz="3200" spc="51" u="none">
+              <a:rPr lang="en-US" sz="2799" spc="44" u="none">
                 <a:solidFill>
                   <a:srgbClr val="000000"/>
                 </a:solidFill>
@@ -5311,14 +5311,14 @@
           <a:p>
             <a:pPr algn="just" marL="0" indent="0" lvl="0">
               <a:lnSpc>
-                <a:spcPts val="4320"/>
+                <a:spcPts val="3779"/>
               </a:lnSpc>
               <a:spcBef>
                 <a:spcPct val="0"/>
               </a:spcBef>
             </a:pPr>
             <a:r>
-              <a:rPr lang="en-US" sz="3200" spc="51" u="none">
+              <a:rPr lang="en-US" sz="2799" spc="44" u="none">
                 <a:solidFill>
                   <a:srgbClr val="000000"/>
                 </a:solidFill>
@@ -5333,14 +5333,14 @@
           <a:p>
             <a:pPr algn="just" marL="0" indent="0" lvl="0">
               <a:lnSpc>
-                <a:spcPts val="4320"/>
+                <a:spcPts val="3779"/>
               </a:lnSpc>
               <a:spcBef>
                 <a:spcPct val="0"/>
               </a:spcBef>
             </a:pPr>
             <a:r>
-              <a:rPr lang="en-US" sz="3200" spc="51" u="none">
+              <a:rPr lang="en-US" sz="2799" spc="44" u="none">
                 <a:solidFill>
                   <a:srgbClr val="000000"/>
                 </a:solidFill>
@@ -5352,49 +5352,39 @@
               <a:t>-對應類別與 label 編碼（共 13 類）</a:t>
             </a:r>
           </a:p>
+        </p:txBody>
+      </p:sp>
+      <p:sp>
+        <p:nvSpPr>
+          <p:cNvPr name="TextBox 17" id="17"/>
+          <p:cNvSpPr txBox="true"/>
+          <p:nvPr/>
+        </p:nvSpPr>
+        <p:spPr>
+          <a:xfrm rot="0">
+            <a:off x="9661679" y="7965782"/>
+            <a:ext cx="6983307" cy="1019175"/>
+          </a:xfrm>
+          <a:prstGeom prst="rect">
+            <a:avLst/>
+          </a:prstGeom>
+        </p:spPr>
+        <p:txBody>
+          <a:bodyPr anchor="t" rtlCol="false" tIns="0" lIns="0" bIns="0" rIns="0">
+            <a:spAutoFit/>
+          </a:bodyPr>
+          <a:lstStyle/>
           <a:p>
             <a:pPr algn="just" marL="0" indent="0" lvl="0">
               <a:lnSpc>
-                <a:spcPts val="1890"/>
+                <a:spcPts val="4050"/>
               </a:lnSpc>
               <a:spcBef>
                 <a:spcPct val="0"/>
               </a:spcBef>
             </a:pPr>
-          </a:p>
-        </p:txBody>
-      </p:sp>
-      <p:sp>
-        <p:nvSpPr>
-          <p:cNvPr name="TextBox 17" id="17"/>
-          <p:cNvSpPr txBox="true"/>
-          <p:nvPr/>
-        </p:nvSpPr>
-        <p:spPr>
-          <a:xfrm rot="0">
-            <a:off x="9661679" y="7661202"/>
-            <a:ext cx="6983307" cy="1082040"/>
-          </a:xfrm>
-          <a:prstGeom prst="rect">
-            <a:avLst/>
-          </a:prstGeom>
-        </p:spPr>
-        <p:txBody>
-          <a:bodyPr anchor="t" rtlCol="false" tIns="0" lIns="0" bIns="0" rIns="0">
-            <a:spAutoFit/>
-          </a:bodyPr>
-          <a:lstStyle/>
-          <a:p>
-            <a:pPr algn="just" marL="0" indent="0" lvl="0">
-              <a:lnSpc>
-                <a:spcPts val="4320"/>
-              </a:lnSpc>
-              <a:spcBef>
-                <a:spcPct val="0"/>
-              </a:spcBef>
-            </a:pPr>
-            <a:r>
-              <a:rPr lang="en-US" sz="3200" spc="51">
+            <a:r>
+              <a:rPr lang="en-US" sz="3000" spc="48">
                 <a:solidFill>
                   <a:srgbClr val="000000"/>
                 </a:solidFill>
@@ -5671,7 +5661,7 @@
         </p:nvGrpSpPr>
         <p:grpSpPr>
           <a:xfrm rot="0">
-            <a:off x="1028700" y="2862027"/>
+            <a:off x="1028700" y="3298626"/>
             <a:ext cx="5038071" cy="6067896"/>
             <a:chOff x="0" y="0"/>
             <a:chExt cx="1048738" cy="1263109"/>
@@ -5793,7 +5783,7 @@
         </p:nvGrpSpPr>
         <p:grpSpPr>
           <a:xfrm rot="0">
-            <a:off x="6692531" y="2862027"/>
+            <a:off x="7170226" y="3298626"/>
             <a:ext cx="5038071" cy="6067896"/>
             <a:chOff x="0" y="0"/>
             <a:chExt cx="1048738" cy="1263109"/>
@@ -5915,7 +5905,7 @@
         </p:nvGrpSpPr>
         <p:grpSpPr>
           <a:xfrm rot="0">
-            <a:off x="1028700" y="2862027"/>
+            <a:off x="1028700" y="3298626"/>
             <a:ext cx="5038071" cy="668736"/>
             <a:chOff x="0" y="0"/>
             <a:chExt cx="1048738" cy="139206"/>
@@ -6037,7 +6027,7 @@
         </p:nvGrpSpPr>
         <p:grpSpPr>
           <a:xfrm rot="0">
-            <a:off x="6692531" y="2862027"/>
+            <a:off x="7170226" y="3298626"/>
             <a:ext cx="5038071" cy="668736"/>
             <a:chOff x="0" y="0"/>
             <a:chExt cx="1048738" cy="139206"/>
@@ -6211,7 +6201,7 @@
         </p:nvSpPr>
         <p:spPr>
           <a:xfrm rot="0">
-            <a:off x="1478760" y="2971605"/>
+            <a:off x="1478760" y="3408204"/>
             <a:ext cx="4137951" cy="449580"/>
           </a:xfrm>
           <a:prstGeom prst="rect">
@@ -6239,7 +6229,7 @@
                 <a:cs typeface="DM Sans Bold"/>
                 <a:sym typeface="DM Sans Bold"/>
               </a:rPr>
-              <a:t>使用模型</a:t>
+              <a:t>🤖使用模型</a:t>
             </a:r>
           </a:p>
         </p:txBody>
@@ -6252,7 +6242,7 @@
         </p:nvSpPr>
         <p:spPr>
           <a:xfrm rot="0">
-            <a:off x="7250687" y="2971605"/>
+            <a:off x="7728383" y="3408204"/>
             <a:ext cx="3558025" cy="449580"/>
           </a:xfrm>
           <a:prstGeom prst="rect">
@@ -6280,7 +6270,7 @@
                 <a:cs typeface="DM Sans Bold"/>
                 <a:sym typeface="DM Sans Bold"/>
               </a:rPr>
-              <a:t>訓練設定</a:t>
+              <a:t>🏋️‍♂️訓練設定</a:t>
             </a:r>
           </a:p>
         </p:txBody>
@@ -6293,8 +6283,8 @@
         </p:nvSpPr>
         <p:spPr>
           <a:xfrm rot="0">
-            <a:off x="6953983" y="3883188"/>
-            <a:ext cx="4380035" cy="4105275"/>
+            <a:off x="7431678" y="4272162"/>
+            <a:ext cx="4380035" cy="3981450"/>
           </a:xfrm>
           <a:prstGeom prst="rect">
             <a:avLst/>
@@ -6308,7 +6298,7 @@
           <a:p>
             <a:pPr algn="l" marL="647700" indent="-323850" lvl="1">
               <a:lnSpc>
-                <a:spcPts val="4050"/>
+                <a:spcPts val="4500"/>
               </a:lnSpc>
               <a:buFont typeface="Arial"/>
               <a:buChar char="•"/>
@@ -6329,7 +6319,7 @@
           <a:p>
             <a:pPr algn="l" marL="647700" indent="-323850" lvl="1">
               <a:lnSpc>
-                <a:spcPts val="4050"/>
+                <a:spcPts val="4500"/>
               </a:lnSpc>
               <a:buFont typeface="Arial"/>
               <a:buChar char="•"/>
@@ -6350,7 +6340,7 @@
           <a:p>
             <a:pPr algn="l" marL="647700" indent="-323850" lvl="1">
               <a:lnSpc>
-                <a:spcPts val="4050"/>
+                <a:spcPts val="4500"/>
               </a:lnSpc>
               <a:buFont typeface="Arial"/>
               <a:buChar char="•"/>
@@ -6368,13 +6358,6 @@
               <a:t>損失函數：CrossEntropyLoss</a:t>
             </a:r>
           </a:p>
-          <a:p>
-            <a:pPr algn="l">
-              <a:lnSpc>
-                <a:spcPts val="4050"/>
-              </a:lnSpc>
-            </a:pPr>
-          </a:p>
         </p:txBody>
       </p:sp>
       <p:sp>
@@ -6385,8 +6368,8 @@
         </p:nvSpPr>
         <p:spPr>
           <a:xfrm rot="0">
-            <a:off x="1028700" y="3883188"/>
-            <a:ext cx="5038071" cy="4105275"/>
+            <a:off x="1028700" y="4272162"/>
+            <a:ext cx="5038071" cy="4552950"/>
           </a:xfrm>
           <a:prstGeom prst="rect">
             <a:avLst/>
@@ -6400,7 +6383,7 @@
           <a:p>
             <a:pPr algn="l" marL="647700" indent="-323850" lvl="1">
               <a:lnSpc>
-                <a:spcPts val="4050"/>
+                <a:spcPts val="4500"/>
               </a:lnSpc>
               <a:buFont typeface="Arial"/>
               <a:buChar char="•"/>
@@ -6433,7 +6416,7 @@
           <a:p>
             <a:pPr algn="l" marL="647700" indent="-323850" lvl="1">
               <a:lnSpc>
-                <a:spcPts val="4050"/>
+                <a:spcPts val="4500"/>
               </a:lnSpc>
               <a:buFont typeface="Arial"/>
               <a:buChar char="•"/>
@@ -6454,11 +6437,8 @@
           <a:p>
             <a:pPr algn="l" marL="647700" indent="-323850" lvl="1">
               <a:lnSpc>
-                <a:spcPts val="4050"/>
+                <a:spcPts val="4500"/>
               </a:lnSpc>
-              <a:spcBef>
-                <a:spcPct val="0"/>
-              </a:spcBef>
               <a:buFont typeface="Arial"/>
               <a:buChar char="•"/>
             </a:pPr>
@@ -6915,7 +6895,7 @@
                 <a:cs typeface="Open Sans Bold"/>
                 <a:sym typeface="Open Sans Bold"/>
               </a:rPr>
-              <a:t>模型與訓練流程</a:t>
+              <a:t>模型與訓練設定</a:t>
             </a:r>
           </a:p>
         </p:txBody>
@@ -6960,7 +6940,7 @@
         </p:nvGrpSpPr>
         <p:grpSpPr>
           <a:xfrm rot="0">
-            <a:off x="1028700" y="2862027"/>
+            <a:off x="1028700" y="3190404"/>
             <a:ext cx="5038071" cy="6067896"/>
             <a:chOff x="0" y="0"/>
             <a:chExt cx="1048738" cy="1263109"/>
@@ -7082,7 +7062,7 @@
         </p:nvGrpSpPr>
         <p:grpSpPr>
           <a:xfrm rot="0">
-            <a:off x="6692531" y="2862027"/>
+            <a:off x="6692531" y="3190404"/>
             <a:ext cx="6315399" cy="6067896"/>
             <a:chOff x="0" y="0"/>
             <a:chExt cx="1314629" cy="1263109"/>
@@ -7209,7 +7189,7 @@
         </p:nvGrpSpPr>
         <p:grpSpPr>
           <a:xfrm rot="0">
-            <a:off x="1028700" y="2862027"/>
+            <a:off x="1028700" y="3190404"/>
             <a:ext cx="5038071" cy="668736"/>
             <a:chOff x="0" y="0"/>
             <a:chExt cx="1048738" cy="139206"/>
@@ -7331,7 +7311,7 @@
         </p:nvGrpSpPr>
         <p:grpSpPr>
           <a:xfrm rot="0">
-            <a:off x="6692531" y="2862027"/>
+            <a:off x="6692531" y="3190404"/>
             <a:ext cx="6315399" cy="668736"/>
             <a:chOff x="0" y="0"/>
             <a:chExt cx="1314629" cy="139206"/>
@@ -7909,7 +7889,7 @@
         </p:nvSpPr>
         <p:spPr>
           <a:xfrm rot="0">
-            <a:off x="1478760" y="2971605"/>
+            <a:off x="1478760" y="3299982"/>
             <a:ext cx="4137951" cy="449580"/>
           </a:xfrm>
           <a:prstGeom prst="rect">
@@ -7950,7 +7930,7 @@
         </p:nvSpPr>
         <p:spPr>
           <a:xfrm rot="0">
-            <a:off x="7250687" y="2971605"/>
+            <a:off x="7250687" y="3299982"/>
             <a:ext cx="3558025" cy="449580"/>
           </a:xfrm>
           <a:prstGeom prst="rect">
@@ -7991,8 +7971,8 @@
         </p:nvSpPr>
         <p:spPr>
           <a:xfrm rot="0">
-            <a:off x="6908364" y="3883188"/>
-            <a:ext cx="5778405" cy="3383280"/>
+            <a:off x="6908364" y="4173465"/>
+            <a:ext cx="5778405" cy="3194685"/>
           </a:xfrm>
           <a:prstGeom prst="rect">
             <a:avLst/>
@@ -8006,7 +7986,7 @@
           <a:p>
             <a:pPr algn="l" marL="647698" indent="-323849" lvl="1">
               <a:lnSpc>
-                <a:spcPts val="4049"/>
+                <a:spcPts val="4499"/>
               </a:lnSpc>
               <a:buFont typeface="Arial"/>
               <a:buChar char="•"/>
@@ -8039,7 +8019,7 @@
           <a:p>
             <a:pPr algn="l" marL="604519" indent="-302260" lvl="1">
               <a:lnSpc>
-                <a:spcPts val="3779"/>
+                <a:spcPts val="4199"/>
               </a:lnSpc>
               <a:buFont typeface="Arial"/>
               <a:buChar char="•"/>
@@ -8060,7 +8040,7 @@
           <a:p>
             <a:pPr algn="l" marL="604519" indent="-302260" lvl="1">
               <a:lnSpc>
-                <a:spcPts val="3779"/>
+                <a:spcPts val="4199"/>
               </a:lnSpc>
               <a:buFont typeface="Arial"/>
               <a:buChar char="•"/>
@@ -8075,7 +8055,7 @@
                 <a:cs typeface="DM Sans"/>
                 <a:sym typeface="DM Sans"/>
               </a:rPr>
-              <a:t>中港澳、公民運動等少數樣本類別三模型皆無法有效分類（F1 = 0）</a:t>
+              <a:t>中港澳、公民運動等少數樣本類別無法有效分類（F1 = 0）</a:t>
             </a:r>
           </a:p>
         </p:txBody>
@@ -8088,7 +8068,7 @@
         </p:nvSpPr>
         <p:spPr>
           <a:xfrm flipH="false" flipV="false" rot="0">
-            <a:off x="7590229" y="3196395"/>
+            <a:off x="7590229" y="2769522"/>
             <a:ext cx="10193079" cy="6791139"/>
           </a:xfrm>
           <a:custGeom>
@@ -8134,8 +8114,8 @@
         </p:nvSpPr>
         <p:spPr>
           <a:xfrm rot="0">
-            <a:off x="1028700" y="3883188"/>
-            <a:ext cx="5038071" cy="2047875"/>
+            <a:off x="1028700" y="4163940"/>
+            <a:ext cx="5038071" cy="2266950"/>
           </a:xfrm>
           <a:prstGeom prst="rect">
             <a:avLst/>
@@ -8149,7 +8129,7 @@
           <a:p>
             <a:pPr algn="l" marL="647700" indent="-323850" lvl="1">
               <a:lnSpc>
-                <a:spcPts val="4050"/>
+                <a:spcPts val="4500"/>
               </a:lnSpc>
               <a:buFont typeface="Arial"/>
               <a:buChar char="•"/>
@@ -8182,7 +8162,7 @@
           <a:p>
             <a:pPr algn="l" marL="647700" indent="-323850" lvl="1">
               <a:lnSpc>
-                <a:spcPts val="4050"/>
+                <a:spcPts val="4500"/>
               </a:lnSpc>
               <a:buFont typeface="Arial"/>
               <a:buChar char="•"/>
@@ -8203,11 +8183,8 @@
           <a:p>
             <a:pPr algn="l" marL="647700" indent="-323850" lvl="1">
               <a:lnSpc>
-                <a:spcPts val="4050"/>
+                <a:spcPts val="4500"/>
               </a:lnSpc>
-              <a:spcBef>
-                <a:spcPct val="0"/>
-              </a:spcBef>
               <a:buFont typeface="Arial"/>
               <a:buChar char="•"/>
             </a:pPr>
@@ -8310,7 +8287,7 @@
         </p:nvGrpSpPr>
         <p:grpSpPr>
           <a:xfrm rot="0">
-            <a:off x="6285729" y="2897115"/>
+            <a:off x="5882922" y="2897115"/>
             <a:ext cx="5038071" cy="6067896"/>
             <a:chOff x="0" y="0"/>
             <a:chExt cx="1048738" cy="1263109"/>
@@ -8564,7 +8541,7 @@
         </p:nvGrpSpPr>
         <p:grpSpPr>
           <a:xfrm rot="0">
-            <a:off x="6285729" y="2897115"/>
+            <a:off x="5882922" y="2897115"/>
             <a:ext cx="5038071" cy="668736"/>
             <a:chOff x="0" y="0"/>
             <a:chExt cx="1048738" cy="139206"/>
@@ -9254,7 +9231,7 @@
         </p:nvSpPr>
         <p:spPr>
           <a:xfrm rot="0">
-            <a:off x="6607272" y="3006693"/>
+            <a:off x="6204465" y="3006693"/>
             <a:ext cx="4137951" cy="449580"/>
           </a:xfrm>
           <a:prstGeom prst="rect">
@@ -9336,8 +9313,8 @@
         </p:nvSpPr>
         <p:spPr>
           <a:xfrm rot="0">
-            <a:off x="11990713" y="5487444"/>
-            <a:ext cx="5139741" cy="1000125"/>
+            <a:off x="12121143" y="5463631"/>
+            <a:ext cx="5139741" cy="1095375"/>
           </a:xfrm>
           <a:prstGeom prst="rect">
             <a:avLst/>
@@ -9351,7 +9328,7 @@
           <a:p>
             <a:pPr algn="l" marL="647698" indent="-323849" lvl="1">
               <a:lnSpc>
-                <a:spcPts val="4049"/>
+                <a:spcPts val="4499"/>
               </a:lnSpc>
               <a:buFont typeface="Arial"/>
               <a:buChar char="•"/>
@@ -9372,7 +9349,7 @@
           <a:p>
             <a:pPr algn="l" marL="647698" indent="-323849" lvl="1">
               <a:lnSpc>
-                <a:spcPts val="4049"/>
+                <a:spcPts val="4499"/>
               </a:lnSpc>
               <a:buFont typeface="Arial"/>
               <a:buChar char="•"/>
@@ -9412,8 +9389,8 @@
         </p:nvSpPr>
         <p:spPr>
           <a:xfrm rot="0">
-            <a:off x="6285729" y="5220744"/>
-            <a:ext cx="5038071" cy="1533525"/>
+            <a:off x="5882922" y="5173119"/>
+            <a:ext cx="5038071" cy="1609725"/>
           </a:xfrm>
           <a:prstGeom prst="rect">
             <a:avLst/>
@@ -9427,7 +9404,7 @@
           <a:p>
             <a:pPr algn="l" marL="647700" indent="-323850" lvl="1">
               <a:lnSpc>
-                <a:spcPts val="4050"/>
+                <a:spcPts val="4500"/>
               </a:lnSpc>
               <a:buFont typeface="Arial"/>
               <a:buChar char="•"/>
@@ -9544,7 +9521,7 @@
         </p:nvSpPr>
         <p:spPr>
           <a:xfrm flipH="false" flipV="false" rot="0">
-            <a:off x="4849704" y="757738"/>
+            <a:off x="3955551" y="928607"/>
             <a:ext cx="11371244" cy="6505246"/>
           </a:xfrm>
           <a:custGeom>
@@ -9559,10 +9536,10 @@
                   <a:pt x="0" y="0"/>
                 </a:moveTo>
                 <a:lnTo>
-                  <a:pt x="11371244" y="0"/>
-                </a:lnTo>
-                <a:lnTo>
-                  <a:pt x="11371244" y="6505246"/>
+                  <a:pt x="11371243" y="0"/>
+                </a:lnTo>
+                <a:lnTo>
+                  <a:pt x="11371243" y="6505246"/>
                 </a:lnTo>
                 <a:lnTo>
                   <a:pt x="0" y="6505246"/>
@@ -9772,8 +9749,8 @@
         </p:nvSpPr>
         <p:spPr>
           <a:xfrm rot="0">
-            <a:off x="8659015" y="4353680"/>
-            <a:ext cx="9317644" cy="1082040"/>
+            <a:off x="8659015" y="4595905"/>
+            <a:ext cx="9317644" cy="1624965"/>
           </a:xfrm>
           <a:prstGeom prst="rect">
             <a:avLst/>
@@ -9785,13 +9762,12 @@
           </a:bodyPr>
           <a:lstStyle/>
           <a:p>
-            <a:pPr algn="l" marL="0" indent="0" lvl="0">
+            <a:pPr algn="l" marL="690881" indent="-345440" lvl="1">
               <a:lnSpc>
                 <a:spcPts val="4320"/>
               </a:lnSpc>
-              <a:spcBef>
-                <a:spcPct val="0"/>
-              </a:spcBef>
+              <a:buFont typeface="Arial"/>
+              <a:buChar char="•"/>
             </a:pPr>
             <a:r>
               <a:rPr lang="en-US" sz="3200" spc="192">
@@ -9803,7 +9779,28 @@
                 <a:cs typeface="DM Sans"/>
                 <a:sym typeface="DM Sans"/>
               </a:rPr>
-              <a:t>成功建構中文新聞分類模型，並完成分類、評估與錯誤分析</a:t>
+              <a:t>成功建構中文新聞分類模型，完成分類、評估與錯誤分析  </a:t>
+            </a:r>
+          </a:p>
+          <a:p>
+            <a:pPr algn="l" marL="690881" indent="-345440" lvl="1">
+              <a:lnSpc>
+                <a:spcPts val="4320"/>
+              </a:lnSpc>
+              <a:buFont typeface="Arial"/>
+              <a:buChar char="•"/>
+            </a:pPr>
+            <a:r>
+              <a:rPr lang="en-US" sz="3200" spc="192">
+                <a:solidFill>
+                  <a:srgbClr val="000000"/>
+                </a:solidFill>
+                <a:latin typeface="DM Sans"/>
+                <a:ea typeface="DM Sans"/>
+                <a:cs typeface="DM Sans"/>
+                <a:sym typeface="DM Sans"/>
+              </a:rPr>
+              <a:t>展望未來應用於新聞推薦與輿情監控等場景</a:t>
             </a:r>
           </a:p>
         </p:txBody>
@@ -9844,7 +9841,7 @@
                 <a:cs typeface="DM Sans Bold"/>
                 <a:sym typeface="DM Sans Bold"/>
               </a:rPr>
-              <a:t>附件</a:t>
+              <a:t>🔗附件</a:t>
             </a:r>
           </a:p>
         </p:txBody>
